--- a/20180126_SmartSplice/20180901_Meeting/Incremental dynamic analysis.pptx
+++ b/20180126_SmartSplice/20180901_Meeting/Incremental dynamic analysis.pptx
@@ -5,7 +5,7 @@
     <p:sldMasterId id="2147483648" r:id="rId4"/>
   </p:sldMasterIdLst>
   <p:notesMasterIdLst>
-    <p:notesMasterId r:id="rId45"/>
+    <p:notesMasterId r:id="rId46"/>
   </p:notesMasterIdLst>
   <p:sldIdLst>
     <p:sldId id="270" r:id="rId5"/>
@@ -48,6 +48,7 @@
     <p:sldId id="332" r:id="rId42"/>
     <p:sldId id="333" r:id="rId43"/>
     <p:sldId id="338" r:id="rId44"/>
+    <p:sldId id="368" r:id="rId45"/>
   </p:sldIdLst>
   <p:sldSz cx="12192000" cy="6858000"/>
   <p:notesSz cx="6858000" cy="9144000"/>
@@ -269,7 +270,7 @@
           <a:p>
             <a:fld id="{E17FB05D-A85A-41E9-95F8-557FC4A8E4EF}" type="datetimeFigureOut">
               <a:rPr lang="zh-TW" altLang="en-US" smtClean="0"/>
-              <a:t>2018/9/5</a:t>
+              <a:t>2018/9/6</a:t>
             </a:fld>
             <a:endParaRPr lang="zh-TW" altLang="en-US"/>
           </a:p>
@@ -3615,7 +3616,7 @@
           <a:p>
             <a:fld id="{7A7E7069-7A31-444D-80E6-B61C02E1392B}" type="datetime1">
               <a:rPr lang="fr-FR" altLang="zh-TW" smtClean="0"/>
-              <a:t>05/09/2018</a:t>
+              <a:t>06/09/2018</a:t>
             </a:fld>
             <a:endParaRPr lang="fr-FR"/>
           </a:p>
@@ -3961,7 +3962,7 @@
           <a:p>
             <a:fld id="{AB24F10B-ECA2-4753-8694-8A0132243A1A}" type="datetime1">
               <a:rPr lang="fr-FR" altLang="zh-TW" smtClean="0"/>
-              <a:t>05/09/2018</a:t>
+              <a:t>06/09/2018</a:t>
             </a:fld>
             <a:endParaRPr lang="fr-FR"/>
           </a:p>
@@ -4478,7 +4479,7 @@
           <a:p>
             <a:fld id="{DF3763D6-108C-484F-A72E-357B7AC47626}" type="datetime1">
               <a:rPr lang="fr-FR" altLang="zh-TW" smtClean="0"/>
-              <a:t>05/09/2018</a:t>
+              <a:t>06/09/2018</a:t>
             </a:fld>
             <a:endParaRPr lang="fr-FR"/>
           </a:p>
@@ -4734,7 +4735,7 @@
           <a:p>
             <a:fld id="{70A2E91A-1B1C-4AA6-BE7D-BFAB22416A0A}" type="datetime1">
               <a:rPr lang="fr-FR" altLang="zh-TW" smtClean="0"/>
-              <a:t>05/09/2018</a:t>
+              <a:t>06/09/2018</a:t>
             </a:fld>
             <a:endParaRPr lang="fr-FR"/>
           </a:p>
@@ -5039,7 +5040,7 @@
           <a:p>
             <a:fld id="{CB63E6B3-FD71-4468-88B9-C0735253CCAA}" type="datetime1">
               <a:rPr lang="fr-FR" altLang="zh-TW" smtClean="0"/>
-              <a:t>05/09/2018</a:t>
+              <a:t>06/09/2018</a:t>
             </a:fld>
             <a:endParaRPr lang="fr-FR"/>
           </a:p>
@@ -5289,7 +5290,7 @@
           <a:p>
             <a:fld id="{E7037967-40FB-4E34-8FF3-6969956CCBF8}" type="datetime1">
               <a:rPr lang="fr-FR" altLang="zh-TW" smtClean="0"/>
-              <a:t>05/09/2018</a:t>
+              <a:t>06/09/2018</a:t>
             </a:fld>
             <a:endParaRPr lang="fr-FR"/>
           </a:p>
@@ -5995,7 +5996,7 @@
           <a:p>
             <a:fld id="{D3ACC2AA-C9BE-4B6D-A61B-7594931CB630}" type="datetime1">
               <a:rPr lang="fr-FR" altLang="zh-TW" smtClean="0"/>
-              <a:t>05/09/2018</a:t>
+              <a:t>06/09/2018</a:t>
             </a:fld>
             <a:endParaRPr lang="fr-FR"/>
           </a:p>
@@ -6340,7 +6341,7 @@
           <a:p>
             <a:fld id="{1D45520A-363C-425F-A28D-4D02521E9EC2}" type="datetime1">
               <a:rPr lang="fr-FR" altLang="zh-TW" smtClean="0"/>
-              <a:t>05/09/2018</a:t>
+              <a:t>06/09/2018</a:t>
             </a:fld>
             <a:endParaRPr lang="fr-FR"/>
           </a:p>
@@ -6628,7 +6629,7 @@
           <a:p>
             <a:fld id="{172E36E1-A9EF-44B8-BDC2-AD38F076111B}" type="datetime1">
               <a:rPr lang="fr-FR" altLang="zh-TW" smtClean="0"/>
-              <a:t>05/09/2018</a:t>
+              <a:t>06/09/2018</a:t>
             </a:fld>
             <a:endParaRPr lang="fr-FR"/>
           </a:p>
@@ -6803,7 +6804,7 @@
           <a:p>
             <a:fld id="{E6060845-F4F6-4A6C-87EC-25D40DD76F66}" type="datetime1">
               <a:rPr lang="fr-FR" altLang="zh-TW" smtClean="0"/>
-              <a:t>05/09/2018</a:t>
+              <a:t>06/09/2018</a:t>
             </a:fld>
             <a:endParaRPr lang="fr-FR"/>
           </a:p>
@@ -13188,7 +13189,7 @@
           <a:p>
             <a:fld id="{A0B758D6-ED01-4AE2-915C-7364812A8626}" type="datetime1">
               <a:rPr lang="fr-FR" altLang="zh-TW" smtClean="0"/>
-              <a:t>05/09/2018</a:t>
+              <a:t>06/09/2018</a:t>
             </a:fld>
             <a:endParaRPr lang="fr-FR"/>
           </a:p>
@@ -18427,7 +18428,7 @@
           <a:p>
             <a:fld id="{3878EA16-B830-4EFF-8CB0-DE8E57720CDD}" type="datetime1">
               <a:rPr lang="fr-FR" altLang="zh-TW" smtClean="0"/>
-              <a:t>05/09/2018</a:t>
+              <a:t>06/09/2018</a:t>
             </a:fld>
             <a:endParaRPr lang="fr-FR"/>
           </a:p>
@@ -19149,7 +19150,7 @@
           <a:p>
             <a:fld id="{2579C44F-DB87-47B9-975C-3AD181DD0144}" type="datetime1">
               <a:rPr lang="fr-FR" altLang="zh-TW" smtClean="0"/>
-              <a:t>05/09/2018</a:t>
+              <a:t>06/09/2018</a:t>
             </a:fld>
             <a:endParaRPr lang="fr-FR"/>
           </a:p>
@@ -21057,7 +21058,7 @@
           <a:p>
             <a:fld id="{17C8F73A-9A53-44D5-87A0-EF89FB35B76E}" type="datetime1">
               <a:rPr lang="fr-FR" altLang="zh-TW" smtClean="0"/>
-              <a:t>05/09/2018</a:t>
+              <a:t>06/09/2018</a:t>
             </a:fld>
             <a:endParaRPr lang="fr-FR"/>
           </a:p>
@@ -21711,7 +21712,7 @@
           <a:p>
             <a:fld id="{01D877FE-3F74-424B-86C7-10EA22D7ED24}" type="datetime1">
               <a:rPr lang="fr-FR" altLang="zh-TW" smtClean="0"/>
-              <a:t>05/09/2018</a:t>
+              <a:t>06/09/2018</a:t>
             </a:fld>
             <a:endParaRPr lang="fr-FR"/>
           </a:p>
@@ -22365,7 +22366,7 @@
           <a:p>
             <a:fld id="{B9087178-D13A-4930-A1A8-4200F7450DEF}" type="datetime1">
               <a:rPr lang="fr-FR" altLang="zh-TW" smtClean="0"/>
-              <a:t>05/09/2018</a:t>
+              <a:t>06/09/2018</a:t>
             </a:fld>
             <a:endParaRPr lang="fr-FR"/>
           </a:p>
@@ -24088,7 +24089,7 @@
           <a:p>
             <a:fld id="{0003247B-B3F7-41BB-A95F-B6B56C48E17E}" type="datetime1">
               <a:rPr lang="fr-FR" altLang="zh-TW" smtClean="0"/>
-              <a:t>05/09/2018</a:t>
+              <a:t>06/09/2018</a:t>
             </a:fld>
             <a:endParaRPr lang="fr-FR"/>
           </a:p>
@@ -24320,7 +24321,7 @@
           <a:p>
             <a:fld id="{7036140C-C5FE-4C35-B4E1-C65C06066FA9}" type="datetime1">
               <a:rPr lang="fr-FR" altLang="zh-TW" smtClean="0"/>
-              <a:t>05/09/2018</a:t>
+              <a:t>06/09/2018</a:t>
             </a:fld>
             <a:endParaRPr lang="fr-FR"/>
           </a:p>
@@ -24486,7 +24487,7 @@
           <a:p>
             <a:fld id="{887BFBD1-3D9B-4272-AD61-7503861467DB}" type="datetime1">
               <a:rPr lang="fr-FR" altLang="zh-TW" smtClean="0"/>
-              <a:t>05/09/2018</a:t>
+              <a:t>06/09/2018</a:t>
             </a:fld>
             <a:endParaRPr lang="fr-FR"/>
           </a:p>
@@ -25231,11 +25232,11 @@
   <p:clrMapOvr>
     <a:masterClrMapping/>
   </p:clrMapOvr>
-  <mc:AlternateContent xmlns:mc="http://schemas.openxmlformats.org/markup-compatibility/2006">
-    <mc:Choice xmlns:p14="http://schemas.microsoft.com/office/powerpoint/2010/main" Requires="p14">
+  <mc:AlternateContent xmlns:mc="http://schemas.openxmlformats.org/markup-compatibility/2006" xmlns:p14="http://schemas.microsoft.com/office/powerpoint/2010/main">
+    <mc:Choice Requires="p14">
       <p:transition p14:dur="0"/>
     </mc:Choice>
-    <mc:Fallback>
+    <mc:Fallback xmlns="">
       <p:transition/>
     </mc:Fallback>
   </mc:AlternateContent>
@@ -25902,13 +25903,13 @@
   <p:clrMapOvr>
     <a:masterClrMapping/>
   </p:clrMapOvr>
-  <mc:AlternateContent xmlns:mc="http://schemas.openxmlformats.org/markup-compatibility/2006">
-    <mc:Choice xmlns:p14="http://schemas.microsoft.com/office/powerpoint/2010/main" Requires="p14">
+  <mc:AlternateContent xmlns:mc="http://schemas.openxmlformats.org/markup-compatibility/2006" xmlns:p14="http://schemas.microsoft.com/office/powerpoint/2010/main">
+    <mc:Choice Requires="p14">
       <p:transition spd="med" p14:dur="700">
         <p:fade/>
       </p:transition>
     </mc:Choice>
-    <mc:Fallback>
+    <mc:Fallback xmlns="">
       <p:transition spd="med">
         <p:fade/>
       </p:transition>
@@ -26557,13 +26558,13 @@
   <p:clrMapOvr>
     <a:masterClrMapping/>
   </p:clrMapOvr>
-  <mc:AlternateContent xmlns:mc="http://schemas.openxmlformats.org/markup-compatibility/2006">
-    <mc:Choice xmlns:p14="http://schemas.microsoft.com/office/powerpoint/2010/main" Requires="p14">
+  <mc:AlternateContent xmlns:mc="http://schemas.openxmlformats.org/markup-compatibility/2006" xmlns:p14="http://schemas.microsoft.com/office/powerpoint/2010/main">
+    <mc:Choice Requires="p14">
       <p:transition spd="med" p14:dur="700">
         <p:fade/>
       </p:transition>
     </mc:Choice>
-    <mc:Fallback>
+    <mc:Fallback xmlns="">
       <p:transition spd="med">
         <p:fade/>
       </p:transition>
@@ -27534,13 +27535,13 @@
   <p:clrMapOvr>
     <a:masterClrMapping/>
   </p:clrMapOvr>
-  <mc:AlternateContent xmlns:mc="http://schemas.openxmlformats.org/markup-compatibility/2006">
-    <mc:Choice xmlns:p14="http://schemas.microsoft.com/office/powerpoint/2010/main" Requires="p14">
+  <mc:AlternateContent xmlns:mc="http://schemas.openxmlformats.org/markup-compatibility/2006" xmlns:p14="http://schemas.microsoft.com/office/powerpoint/2010/main">
+    <mc:Choice Requires="p14">
       <p:transition spd="med" p14:dur="700">
         <p:fade/>
       </p:transition>
     </mc:Choice>
-    <mc:Fallback>
+    <mc:Fallback xmlns="">
       <p:transition spd="med">
         <p:fade/>
       </p:transition>
@@ -28015,13 +28016,13 @@
   <p:clrMapOvr>
     <a:masterClrMapping/>
   </p:clrMapOvr>
-  <mc:AlternateContent xmlns:mc="http://schemas.openxmlformats.org/markup-compatibility/2006">
-    <mc:Choice xmlns:p14="http://schemas.microsoft.com/office/powerpoint/2010/main" Requires="p14">
+  <mc:AlternateContent xmlns:mc="http://schemas.openxmlformats.org/markup-compatibility/2006" xmlns:p14="http://schemas.microsoft.com/office/powerpoint/2010/main">
+    <mc:Choice Requires="p14">
       <p:transition spd="med" p14:dur="700">
         <p:fade/>
       </p:transition>
     </mc:Choice>
-    <mc:Fallback>
+    <mc:Fallback xmlns="">
       <p:transition spd="med">
         <p:fade/>
       </p:transition>
@@ -28682,13 +28683,13 @@
   <p:clrMapOvr>
     <a:masterClrMapping/>
   </p:clrMapOvr>
-  <mc:AlternateContent xmlns:mc="http://schemas.openxmlformats.org/markup-compatibility/2006">
-    <mc:Choice xmlns:p14="http://schemas.microsoft.com/office/powerpoint/2010/main" Requires="p14">
+  <mc:AlternateContent xmlns:mc="http://schemas.openxmlformats.org/markup-compatibility/2006" xmlns:p14="http://schemas.microsoft.com/office/powerpoint/2010/main">
+    <mc:Choice Requires="p14">
       <p:transition spd="med" p14:dur="700">
         <p:fade/>
       </p:transition>
     </mc:Choice>
-    <mc:Fallback>
+    <mc:Fallback xmlns="">
       <p:transition spd="med">
         <p:fade/>
       </p:transition>
@@ -29723,13 +29724,13 @@
   <p:clrMapOvr>
     <a:masterClrMapping/>
   </p:clrMapOvr>
-  <mc:AlternateContent xmlns:mc="http://schemas.openxmlformats.org/markup-compatibility/2006">
-    <mc:Choice xmlns:p14="http://schemas.microsoft.com/office/powerpoint/2010/main" Requires="p14">
+  <mc:AlternateContent xmlns:mc="http://schemas.openxmlformats.org/markup-compatibility/2006" xmlns:p14="http://schemas.microsoft.com/office/powerpoint/2010/main">
+    <mc:Choice Requires="p14">
       <p:transition spd="med" p14:dur="700">
         <p:fade/>
       </p:transition>
     </mc:Choice>
-    <mc:Fallback>
+    <mc:Fallback xmlns="">
       <p:transition spd="med">
         <p:fade/>
       </p:transition>
@@ -30474,13 +30475,13 @@
   <p:clrMapOvr>
     <a:masterClrMapping/>
   </p:clrMapOvr>
-  <mc:AlternateContent xmlns:mc="http://schemas.openxmlformats.org/markup-compatibility/2006">
-    <mc:Choice xmlns:p14="http://schemas.microsoft.com/office/powerpoint/2010/main" Requires="p14">
+  <mc:AlternateContent xmlns:mc="http://schemas.openxmlformats.org/markup-compatibility/2006" xmlns:p14="http://schemas.microsoft.com/office/powerpoint/2010/main">
+    <mc:Choice Requires="p14">
       <p:transition spd="med" p14:dur="700">
         <p:fade/>
       </p:transition>
     </mc:Choice>
-    <mc:Fallback>
+    <mc:Fallback xmlns="">
       <p:transition spd="med">
         <p:fade/>
       </p:transition>
@@ -31514,13 +31515,13 @@
   <p:clrMapOvr>
     <a:masterClrMapping/>
   </p:clrMapOvr>
-  <mc:AlternateContent xmlns:mc="http://schemas.openxmlformats.org/markup-compatibility/2006">
-    <mc:Choice xmlns:p14="http://schemas.microsoft.com/office/powerpoint/2010/main" Requires="p14">
+  <mc:AlternateContent xmlns:mc="http://schemas.openxmlformats.org/markup-compatibility/2006" xmlns:p14="http://schemas.microsoft.com/office/powerpoint/2010/main">
+    <mc:Choice Requires="p14">
       <p:transition spd="med" p14:dur="700">
         <p:fade/>
       </p:transition>
     </mc:Choice>
-    <mc:Fallback>
+    <mc:Fallback xmlns="">
       <p:transition spd="med">
         <p:fade/>
       </p:transition>
@@ -31698,13 +31699,13 @@
   <p:clrMapOvr>
     <a:masterClrMapping/>
   </p:clrMapOvr>
-  <mc:AlternateContent xmlns:mc="http://schemas.openxmlformats.org/markup-compatibility/2006">
-    <mc:Choice xmlns:p14="http://schemas.microsoft.com/office/powerpoint/2010/main" Requires="p14">
+  <mc:AlternateContent xmlns:mc="http://schemas.openxmlformats.org/markup-compatibility/2006" xmlns:p14="http://schemas.microsoft.com/office/powerpoint/2010/main">
+    <mc:Choice Requires="p14">
       <p:transition spd="med" p14:dur="700">
         <p:fade/>
       </p:transition>
     </mc:Choice>
-    <mc:Fallback>
+    <mc:Fallback xmlns="">
       <p:transition spd="med">
         <p:fade/>
       </p:transition>
@@ -32738,13 +32739,13 @@
   <p:clrMapOvr>
     <a:masterClrMapping/>
   </p:clrMapOvr>
-  <mc:AlternateContent xmlns:mc="http://schemas.openxmlformats.org/markup-compatibility/2006">
-    <mc:Choice xmlns:p14="http://schemas.microsoft.com/office/powerpoint/2010/main" Requires="p14">
+  <mc:AlternateContent xmlns:mc="http://schemas.openxmlformats.org/markup-compatibility/2006" xmlns:p14="http://schemas.microsoft.com/office/powerpoint/2010/main">
+    <mc:Choice Requires="p14">
       <p:transition spd="med" p14:dur="700">
         <p:fade/>
       </p:transition>
     </mc:Choice>
-    <mc:Fallback>
+    <mc:Fallback xmlns="">
       <p:transition spd="med">
         <p:fade/>
       </p:transition>
@@ -33303,13 +33304,13 @@
   <p:clrMapOvr>
     <a:masterClrMapping/>
   </p:clrMapOvr>
-  <mc:AlternateContent xmlns:mc="http://schemas.openxmlformats.org/markup-compatibility/2006">
-    <mc:Choice xmlns:p14="http://schemas.microsoft.com/office/powerpoint/2010/main" Requires="p14">
+  <mc:AlternateContent xmlns:mc="http://schemas.openxmlformats.org/markup-compatibility/2006" xmlns:p14="http://schemas.microsoft.com/office/powerpoint/2010/main">
+    <mc:Choice Requires="p14">
       <p:transition spd="med" p14:dur="700">
         <p:fade/>
       </p:transition>
     </mc:Choice>
-    <mc:Fallback>
+    <mc:Fallback xmlns="">
       <p:transition spd="med">
         <p:fade/>
       </p:transition>
@@ -34403,7 +34404,6 @@
               <a:rPr lang="fr-FR" dirty="0"/>
               <a:t>SHELVE</a:t>
             </a:r>
-            <a:endParaRPr lang="fr-FR" dirty="0"/>
           </a:p>
         </p:txBody>
       </p:sp>
@@ -34589,15 +34589,7 @@
                   <a:schemeClr val="accent1"/>
                 </a:solidFill>
               </a:rPr>
-              <a:t>12</a:t>
-            </a:r>
-            <a:r>
-              <a:rPr lang="fr-FR" sz="2800" dirty="0" smtClean="0">
-                <a:solidFill>
-                  <a:schemeClr val="accent1"/>
-                </a:solidFill>
-              </a:rPr>
-              <a:t>/2018</a:t>
+              <a:t>12/2018</a:t>
             </a:r>
             <a:endParaRPr lang="fr-FR" sz="2800" dirty="0">
               <a:solidFill>
@@ -35553,13 +35545,13 @@
   <p:clrMapOvr>
     <a:masterClrMapping/>
   </p:clrMapOvr>
-  <mc:AlternateContent xmlns:mc="http://schemas.openxmlformats.org/markup-compatibility/2006">
-    <mc:Choice xmlns:p14="http://schemas.microsoft.com/office/powerpoint/2010/main" Requires="p14">
+  <mc:AlternateContent xmlns:mc="http://schemas.openxmlformats.org/markup-compatibility/2006" xmlns:p14="http://schemas.microsoft.com/office/powerpoint/2010/main">
+    <mc:Choice Requires="p14">
       <p:transition spd="med" p14:dur="700">
         <p:fade/>
       </p:transition>
     </mc:Choice>
-    <mc:Fallback>
+    <mc:Fallback xmlns="">
       <p:transition spd="med">
         <p:fade/>
       </p:transition>
@@ -35780,13 +35772,13 @@
   <p:clrMapOvr>
     <a:masterClrMapping/>
   </p:clrMapOvr>
-  <mc:AlternateContent xmlns:mc="http://schemas.openxmlformats.org/markup-compatibility/2006">
-    <mc:Choice xmlns:p14="http://schemas.microsoft.com/office/powerpoint/2010/main" Requires="p14">
+  <mc:AlternateContent xmlns:mc="http://schemas.openxmlformats.org/markup-compatibility/2006" xmlns:p14="http://schemas.microsoft.com/office/powerpoint/2010/main">
+    <mc:Choice Requires="p14">
       <p:transition spd="med" p14:dur="700">
         <p:fade/>
       </p:transition>
     </mc:Choice>
-    <mc:Fallback>
+    <mc:Fallback xmlns="">
       <p:transition spd="med">
         <p:fade/>
       </p:transition>
@@ -36324,13 +36316,13 @@
   <p:clrMapOvr>
     <a:masterClrMapping/>
   </p:clrMapOvr>
-  <mc:AlternateContent xmlns:mc="http://schemas.openxmlformats.org/markup-compatibility/2006">
-    <mc:Choice xmlns:p14="http://schemas.microsoft.com/office/powerpoint/2010/main" Requires="p14">
+  <mc:AlternateContent xmlns:mc="http://schemas.openxmlformats.org/markup-compatibility/2006" xmlns:p14="http://schemas.microsoft.com/office/powerpoint/2010/main">
+    <mc:Choice Requires="p14">
       <p:transition spd="med" p14:dur="700">
         <p:fade/>
       </p:transition>
     </mc:Choice>
-    <mc:Fallback>
+    <mc:Fallback xmlns="">
       <p:transition spd="med">
         <p:fade/>
       </p:transition>
@@ -37035,13 +37027,13 @@
   <p:clrMapOvr>
     <a:masterClrMapping/>
   </p:clrMapOvr>
-  <mc:AlternateContent xmlns:mc="http://schemas.openxmlformats.org/markup-compatibility/2006">
-    <mc:Choice xmlns:p14="http://schemas.microsoft.com/office/powerpoint/2010/main" Requires="p14">
+  <mc:AlternateContent xmlns:mc="http://schemas.openxmlformats.org/markup-compatibility/2006" xmlns:p14="http://schemas.microsoft.com/office/powerpoint/2010/main">
+    <mc:Choice Requires="p14">
       <p:transition spd="med" p14:dur="700">
         <p:fade/>
       </p:transition>
     </mc:Choice>
-    <mc:Fallback>
+    <mc:Fallback xmlns="">
       <p:transition spd="med">
         <p:fade/>
       </p:transition>
@@ -37483,13 +37475,13 @@
   <p:clrMapOvr>
     <a:masterClrMapping/>
   </p:clrMapOvr>
-  <mc:AlternateContent xmlns:mc="http://schemas.openxmlformats.org/markup-compatibility/2006">
-    <mc:Choice xmlns:p14="http://schemas.microsoft.com/office/powerpoint/2010/main" Requires="p14">
+  <mc:AlternateContent xmlns:mc="http://schemas.openxmlformats.org/markup-compatibility/2006" xmlns:p14="http://schemas.microsoft.com/office/powerpoint/2010/main">
+    <mc:Choice Requires="p14">
       <p:transition spd="med" p14:dur="700">
         <p:fade/>
       </p:transition>
     </mc:Choice>
-    <mc:Fallback>
+    <mc:Fallback xmlns="">
       <p:transition spd="med">
         <p:fade/>
       </p:transition>
@@ -37760,13 +37752,13 @@
   <p:clrMapOvr>
     <a:masterClrMapping/>
   </p:clrMapOvr>
-  <mc:AlternateContent xmlns:mc="http://schemas.openxmlformats.org/markup-compatibility/2006">
-    <mc:Choice xmlns:p14="http://schemas.microsoft.com/office/powerpoint/2010/main" Requires="p14">
+  <mc:AlternateContent xmlns:mc="http://schemas.openxmlformats.org/markup-compatibility/2006" xmlns:p14="http://schemas.microsoft.com/office/powerpoint/2010/main">
+    <mc:Choice Requires="p14">
       <p:transition spd="med" p14:dur="700">
         <p:fade/>
       </p:transition>
     </mc:Choice>
-    <mc:Fallback>
+    <mc:Fallback xmlns="">
       <p:transition spd="med">
         <p:fade/>
       </p:transition>
@@ -38500,13 +38492,6 @@
               </a:rPr>
               <a:t>MEDIAN</a:t>
             </a:r>
-            <a:endParaRPr lang="en-US" altLang="zh-TW" dirty="0">
-              <a:solidFill>
-                <a:schemeClr val="tx1">
-                  <a:lumMod val="50000"/>
-                </a:schemeClr>
-              </a:solidFill>
-            </a:endParaRPr>
           </a:p>
         </p:txBody>
       </p:sp>
@@ -38520,13 +38505,13 @@
   <p:clrMapOvr>
     <a:masterClrMapping/>
   </p:clrMapOvr>
-  <mc:AlternateContent xmlns:mc="http://schemas.openxmlformats.org/markup-compatibility/2006">
-    <mc:Choice xmlns:p14="http://schemas.microsoft.com/office/powerpoint/2010/main" Requires="p14">
+  <mc:AlternateContent xmlns:mc="http://schemas.openxmlformats.org/markup-compatibility/2006" xmlns:p14="http://schemas.microsoft.com/office/powerpoint/2010/main">
+    <mc:Choice Requires="p14">
       <p:transition spd="med" p14:dur="700">
         <p:fade/>
       </p:transition>
     </mc:Choice>
-    <mc:Fallback>
+    <mc:Fallback xmlns="">
       <p:transition spd="med">
         <p:fade/>
       </p:transition>
@@ -38572,7 +38557,7 @@
         <p:spPr>
           <a:xfrm>
             <a:off x="839788" y="660400"/>
-            <a:ext cx="6120410" cy="2048766"/>
+            <a:ext cx="6120410" cy="701731"/>
           </a:xfrm>
         </p:spPr>
         <p:txBody>
@@ -38581,11 +38566,13 @@
           <a:p>
             <a:r>
               <a:rPr lang="en-US" altLang="zh-TW" dirty="0"/>
-              <a:t>PBEE FRAMEWORK</a:t>
-            </a:r>
-          </a:p>
-          <a:p>
-            <a:endParaRPr lang="zh-TW" altLang="en-US" dirty="0"/>
+              <a:t>PBEE </a:t>
+            </a:r>
+            <a:r>
+              <a:rPr lang="en-US" altLang="zh-TW" dirty="0" smtClean="0"/>
+              <a:t>FRAMEWORK</a:t>
+            </a:r>
+            <a:endParaRPr lang="en-US" altLang="zh-TW" dirty="0"/>
           </a:p>
         </p:txBody>
       </p:sp>
@@ -39281,13 +39268,13 @@
   <p:clrMapOvr>
     <a:masterClrMapping/>
   </p:clrMapOvr>
-  <mc:AlternateContent xmlns:mc="http://schemas.openxmlformats.org/markup-compatibility/2006">
-    <mc:Choice xmlns:p14="http://schemas.microsoft.com/office/powerpoint/2010/main" Requires="p14">
+  <mc:AlternateContent xmlns:mc="http://schemas.openxmlformats.org/markup-compatibility/2006" xmlns:p14="http://schemas.microsoft.com/office/powerpoint/2010/main">
+    <mc:Choice Requires="p14">
       <p:transition spd="med" p14:dur="700">
         <p:fade/>
       </p:transition>
     </mc:Choice>
-    <mc:Fallback>
+    <mc:Fallback xmlns="">
       <p:transition spd="med">
         <p:fade/>
       </p:transition>
@@ -39370,8 +39357,43 @@
         </p:blipFill>
         <p:spPr>
           <a:xfrm>
-            <a:off x="839788" y="1072126"/>
+            <a:off x="841375" y="1529326"/>
             <a:ext cx="10512425" cy="4640724"/>
+          </a:xfrm>
+          <a:prstGeom prst="rect">
+            <a:avLst/>
+          </a:prstGeom>
+        </p:spPr>
+      </p:pic>
+      <p:pic>
+        <p:nvPicPr>
+          <p:cNvPr id="4" name="圖片 3"/>
+          <p:cNvPicPr>
+            <a:picLocks noChangeAspect="1"/>
+          </p:cNvPicPr>
+          <p:nvPr/>
+        </p:nvPicPr>
+        <p:blipFill>
+          <a:blip r:embed="rId3">
+            <a:clrChange>
+              <a:clrFrom>
+                <a:srgbClr val="FFFFFF"/>
+              </a:clrFrom>
+              <a:clrTo>
+                <a:srgbClr val="FFFFFF">
+                  <a:alpha val="0"/>
+                </a:srgbClr>
+              </a:clrTo>
+            </a:clrChange>
+          </a:blip>
+          <a:stretch>
+            <a:fillRect/>
+          </a:stretch>
+        </p:blipFill>
+        <p:spPr>
+          <a:xfrm>
+            <a:off x="2505075" y="428626"/>
+            <a:ext cx="7181850" cy="914400"/>
           </a:xfrm>
           <a:prstGeom prst="rect">
             <a:avLst/>
@@ -39388,13 +39410,13 @@
   <p:clrMapOvr>
     <a:masterClrMapping/>
   </p:clrMapOvr>
-  <mc:AlternateContent xmlns:mc="http://schemas.openxmlformats.org/markup-compatibility/2006">
-    <mc:Choice xmlns:p14="http://schemas.microsoft.com/office/powerpoint/2010/main" Requires="p14">
+  <mc:AlternateContent xmlns:mc="http://schemas.openxmlformats.org/markup-compatibility/2006" xmlns:p14="http://schemas.microsoft.com/office/powerpoint/2010/main">
+    <mc:Choice Requires="p14">
       <p:transition spd="med" p14:dur="700">
         <p:fade/>
       </p:transition>
     </mc:Choice>
-    <mc:Fallback>
+    <mc:Fallback xmlns="">
       <p:transition spd="med">
         <p:fade/>
       </p:transition>
@@ -39631,13 +39653,13 @@
   <p:clrMapOvr>
     <a:masterClrMapping/>
   </p:clrMapOvr>
-  <mc:AlternateContent xmlns:mc="http://schemas.openxmlformats.org/markup-compatibility/2006">
-    <mc:Choice xmlns:p14="http://schemas.microsoft.com/office/powerpoint/2010/main" Requires="p14">
+  <mc:AlternateContent xmlns:mc="http://schemas.openxmlformats.org/markup-compatibility/2006" xmlns:p14="http://schemas.microsoft.com/office/powerpoint/2010/main">
+    <mc:Choice Requires="p14">
       <p:transition spd="med" p14:dur="700">
         <p:fade/>
       </p:transition>
     </mc:Choice>
-    <mc:Fallback>
+    <mc:Fallback xmlns="">
       <p:transition spd="med">
         <p:fade/>
       </p:transition>
@@ -39916,13 +39938,13 @@
   <p:clrMapOvr>
     <a:masterClrMapping/>
   </p:clrMapOvr>
-  <mc:AlternateContent xmlns:mc="http://schemas.openxmlformats.org/markup-compatibility/2006">
-    <mc:Choice xmlns:p14="http://schemas.microsoft.com/office/powerpoint/2010/main" Requires="p14">
+  <mc:AlternateContent xmlns:mc="http://schemas.openxmlformats.org/markup-compatibility/2006" xmlns:p14="http://schemas.microsoft.com/office/powerpoint/2010/main">
+    <mc:Choice Requires="p14">
       <p:transition spd="med" p14:dur="700">
         <p:fade/>
       </p:transition>
     </mc:Choice>
-    <mc:Fallback>
+    <mc:Fallback xmlns="">
       <p:transition spd="med">
         <p:fade/>
       </p:transition>
@@ -40454,13 +40476,13 @@
   <p:clrMapOvr>
     <a:masterClrMapping/>
   </p:clrMapOvr>
-  <mc:AlternateContent xmlns:mc="http://schemas.openxmlformats.org/markup-compatibility/2006">
-    <mc:Choice xmlns:p14="http://schemas.microsoft.com/office/powerpoint/2010/main" Requires="p14">
+  <mc:AlternateContent xmlns:mc="http://schemas.openxmlformats.org/markup-compatibility/2006" xmlns:p14="http://schemas.microsoft.com/office/powerpoint/2010/main">
+    <mc:Choice Requires="p14">
       <p:transition spd="med" p14:dur="700">
         <p:fade/>
       </p:transition>
     </mc:Choice>
-    <mc:Fallback>
+    <mc:Fallback xmlns="">
       <p:transition spd="med">
         <p:fade/>
       </p:transition>
@@ -41128,13 +41150,13 @@
   <p:clrMapOvr>
     <a:masterClrMapping/>
   </p:clrMapOvr>
-  <mc:AlternateContent xmlns:mc="http://schemas.openxmlformats.org/markup-compatibility/2006">
-    <mc:Choice xmlns:p14="http://schemas.microsoft.com/office/powerpoint/2010/main" Requires="p14">
+  <mc:AlternateContent xmlns:mc="http://schemas.openxmlformats.org/markup-compatibility/2006" xmlns:p14="http://schemas.microsoft.com/office/powerpoint/2010/main">
+    <mc:Choice Requires="p14">
       <p:transition spd="med" p14:dur="700">
         <p:fade/>
       </p:transition>
     </mc:Choice>
-    <mc:Fallback>
+    <mc:Fallback xmlns="">
       <p:transition spd="med">
         <p:fade/>
       </p:transition>
@@ -41534,13 +41556,13 @@
   <p:clrMapOvr>
     <a:masterClrMapping/>
   </p:clrMapOvr>
-  <mc:AlternateContent xmlns:mc="http://schemas.openxmlformats.org/markup-compatibility/2006">
-    <mc:Choice xmlns:p14="http://schemas.microsoft.com/office/powerpoint/2010/main" Requires="p14">
+  <mc:AlternateContent xmlns:mc="http://schemas.openxmlformats.org/markup-compatibility/2006" xmlns:p14="http://schemas.microsoft.com/office/powerpoint/2010/main">
+    <mc:Choice Requires="p14">
       <p:transition spd="med" p14:dur="700">
         <p:fade/>
       </p:transition>
     </mc:Choice>
-    <mc:Fallback>
+    <mc:Fallback xmlns="">
       <p:transition spd="med">
         <p:fade/>
       </p:transition>
@@ -42004,13 +42026,13 @@
   <p:clrMapOvr>
     <a:masterClrMapping/>
   </p:clrMapOvr>
-  <mc:AlternateContent xmlns:mc="http://schemas.openxmlformats.org/markup-compatibility/2006">
-    <mc:Choice xmlns:p14="http://schemas.microsoft.com/office/powerpoint/2010/main" Requires="p14">
+  <mc:AlternateContent xmlns:mc="http://schemas.openxmlformats.org/markup-compatibility/2006" xmlns:p14="http://schemas.microsoft.com/office/powerpoint/2010/main">
+    <mc:Choice Requires="p14">
       <p:transition spd="med" p14:dur="700">
         <p:fade/>
       </p:transition>
     </mc:Choice>
-    <mc:Fallback>
+    <mc:Fallback xmlns="">
       <p:transition spd="med">
         <p:fade/>
       </p:transition>
@@ -42566,17 +42588,7 @@
                 <a:latin typeface="Segoe UI Light" panose="020B0502040204020203" pitchFamily="34" charset="0"/>
                 <a:cs typeface="Segoe UI Light" panose="020B0502040204020203" pitchFamily="34" charset="0"/>
               </a:rPr>
-              <a:t>MORE</a:t>
-            </a:r>
-            <a:r>
-              <a:rPr lang="en-US" altLang="zh-TW" sz="2800" dirty="0" smtClean="0">
-                <a:solidFill>
-                  <a:schemeClr val="accent1"/>
-                </a:solidFill>
-                <a:latin typeface="Segoe UI Light" panose="020B0502040204020203" pitchFamily="34" charset="0"/>
-                <a:cs typeface="Segoe UI Light" panose="020B0502040204020203" pitchFamily="34" charset="0"/>
-              </a:rPr>
-              <a:t> POINTS</a:t>
+              <a:t>MORE POINTS</a:t>
             </a:r>
             <a:endParaRPr lang="zh-TW" altLang="en-US" sz="2800" dirty="0" smtClean="0">
               <a:solidFill>
@@ -42633,13 +42645,13 @@
   <p:clrMapOvr>
     <a:masterClrMapping/>
   </p:clrMapOvr>
-  <mc:AlternateContent xmlns:mc="http://schemas.openxmlformats.org/markup-compatibility/2006">
-    <mc:Choice xmlns:p14="http://schemas.microsoft.com/office/powerpoint/2010/main" Requires="p14">
+  <mc:AlternateContent xmlns:mc="http://schemas.openxmlformats.org/markup-compatibility/2006" xmlns:p14="http://schemas.microsoft.com/office/powerpoint/2010/main">
+    <mc:Choice Requires="p14">
       <p:transition spd="med" p14:dur="700">
         <p:fade/>
       </p:transition>
     </mc:Choice>
-    <mc:Fallback>
+    <mc:Fallback xmlns="">
       <p:transition spd="med">
         <p:fade/>
       </p:transition>
@@ -43062,13 +43074,13 @@
   <p:clrMapOvr>
     <a:masterClrMapping/>
   </p:clrMapOvr>
-  <mc:AlternateContent xmlns:mc="http://schemas.openxmlformats.org/markup-compatibility/2006">
-    <mc:Choice xmlns:p14="http://schemas.microsoft.com/office/powerpoint/2010/main" Requires="p14">
+  <mc:AlternateContent xmlns:mc="http://schemas.openxmlformats.org/markup-compatibility/2006" xmlns:p14="http://schemas.microsoft.com/office/powerpoint/2010/main">
+    <mc:Choice Requires="p14">
       <p:transition spd="med" p14:dur="700">
         <p:fade/>
       </p:transition>
     </mc:Choice>
-    <mc:Fallback>
+    <mc:Fallback xmlns="">
       <p:transition spd="med">
         <p:fade/>
       </p:transition>
@@ -43601,13 +43613,13 @@
   <p:clrMapOvr>
     <a:masterClrMapping/>
   </p:clrMapOvr>
-  <mc:AlternateContent xmlns:mc="http://schemas.openxmlformats.org/markup-compatibility/2006">
-    <mc:Choice xmlns:p14="http://schemas.microsoft.com/office/powerpoint/2010/main" Requires="p14">
+  <mc:AlternateContent xmlns:mc="http://schemas.openxmlformats.org/markup-compatibility/2006" xmlns:p14="http://schemas.microsoft.com/office/powerpoint/2010/main">
+    <mc:Choice Requires="p14">
       <p:transition spd="med" p14:dur="700">
         <p:fade/>
       </p:transition>
     </mc:Choice>
-    <mc:Fallback>
+    <mc:Fallback xmlns="">
       <p:transition spd="med">
         <p:fade/>
       </p:transition>
@@ -44139,13 +44151,13 @@
   <p:clrMapOvr>
     <a:masterClrMapping/>
   </p:clrMapOvr>
-  <mc:AlternateContent xmlns:mc="http://schemas.openxmlformats.org/markup-compatibility/2006">
-    <mc:Choice xmlns:p14="http://schemas.microsoft.com/office/powerpoint/2010/main" Requires="p14">
+  <mc:AlternateContent xmlns:mc="http://schemas.openxmlformats.org/markup-compatibility/2006" xmlns:p14="http://schemas.microsoft.com/office/powerpoint/2010/main">
+    <mc:Choice Requires="p14">
       <p:transition spd="med" p14:dur="700">
         <p:fade/>
       </p:transition>
     </mc:Choice>
-    <mc:Fallback>
+    <mc:Fallback xmlns="">
       <p:transition spd="med">
         <p:fade/>
       </p:transition>
@@ -44849,13 +44861,13 @@
   <p:clrMapOvr>
     <a:masterClrMapping/>
   </p:clrMapOvr>
-  <mc:AlternateContent xmlns:mc="http://schemas.openxmlformats.org/markup-compatibility/2006">
-    <mc:Choice xmlns:p14="http://schemas.microsoft.com/office/powerpoint/2010/main" Requires="p14">
+  <mc:AlternateContent xmlns:mc="http://schemas.openxmlformats.org/markup-compatibility/2006" xmlns:p14="http://schemas.microsoft.com/office/powerpoint/2010/main">
+    <mc:Choice Requires="p14">
       <p:transition spd="med" p14:dur="700">
         <p:fade/>
       </p:transition>
     </mc:Choice>
-    <mc:Fallback>
+    <mc:Fallback xmlns="">
       <p:transition spd="med">
         <p:fade/>
       </p:transition>
@@ -45100,13 +45112,13 @@
   <p:clrMapOvr>
     <a:masterClrMapping/>
   </p:clrMapOvr>
-  <mc:AlternateContent xmlns:mc="http://schemas.openxmlformats.org/markup-compatibility/2006">
-    <mc:Choice xmlns:p14="http://schemas.microsoft.com/office/powerpoint/2010/main" Requires="p14">
+  <mc:AlternateContent xmlns:mc="http://schemas.openxmlformats.org/markup-compatibility/2006" xmlns:p14="http://schemas.microsoft.com/office/powerpoint/2010/main">
+    <mc:Choice Requires="p14">
       <p:transition spd="med" p14:dur="700">
         <p:fade/>
       </p:transition>
     </mc:Choice>
-    <mc:Fallback>
+    <mc:Fallback xmlns="">
       <p:transition spd="med">
         <p:fade/>
       </p:transition>
@@ -45169,8 +45181,15 @@
                 <a:latin typeface="Segoe UI Light" panose="020B0502040204020203" pitchFamily="34" charset="0"/>
                 <a:cs typeface="Segoe UI Light" panose="020B0502040204020203" pitchFamily="34" charset="0"/>
               </a:rPr>
-              <a:t>PROPERTIES</a:t>
-            </a:r>
+              <a:t>SINGLE IDA</a:t>
+            </a:r>
+            <a:endParaRPr lang="fr-FR" sz="2800" dirty="0">
+              <a:solidFill>
+                <a:schemeClr val="accent1"/>
+              </a:solidFill>
+              <a:latin typeface="Segoe UI Light" panose="020B0502040204020203" pitchFamily="34" charset="0"/>
+              <a:cs typeface="Segoe UI Light" panose="020B0502040204020203" pitchFamily="34" charset="0"/>
+            </a:endParaRPr>
           </a:p>
         </p:txBody>
       </p:sp>
@@ -45241,8 +45260,15 @@
                 <a:latin typeface="Segoe UI Light" panose="020B0502040204020203" pitchFamily="34" charset="0"/>
                 <a:cs typeface="Segoe UI Light" panose="020B0502040204020203" pitchFamily="34" charset="0"/>
               </a:rPr>
-              <a:t>LEGITIMACY</a:t>
-            </a:r>
+              <a:t>MULTI-IDA</a:t>
+            </a:r>
+            <a:endParaRPr lang="fr-FR" sz="2800" dirty="0">
+              <a:solidFill>
+                <a:schemeClr val="accent1"/>
+              </a:solidFill>
+              <a:latin typeface="Segoe UI Light" panose="020B0502040204020203" pitchFamily="34" charset="0"/>
+              <a:cs typeface="Segoe UI Light" panose="020B0502040204020203" pitchFamily="34" charset="0"/>
+            </a:endParaRPr>
           </a:p>
         </p:txBody>
       </p:sp>
@@ -45269,15 +45295,22 @@
           <a:lstStyle/>
           <a:p>
             <a:r>
-              <a:rPr lang="fr-FR" sz="2800" dirty="0">
+              <a:rPr lang="fr-FR" sz="2800" dirty="0" smtClean="0">
                 <a:solidFill>
                   <a:schemeClr val="accent1"/>
                 </a:solidFill>
                 <a:latin typeface="Segoe UI Light" panose="020B0502040204020203" pitchFamily="34" charset="0"/>
                 <a:cs typeface="Segoe UI Light" panose="020B0502040204020203" pitchFamily="34" charset="0"/>
               </a:rPr>
-              <a:t>ALGORITHMS</a:t>
-            </a:r>
+              <a:t>OTHERS</a:t>
+            </a:r>
+            <a:endParaRPr lang="fr-FR" sz="2800" dirty="0">
+              <a:solidFill>
+                <a:schemeClr val="accent1"/>
+              </a:solidFill>
+              <a:latin typeface="Segoe UI Light" panose="020B0502040204020203" pitchFamily="34" charset="0"/>
+              <a:cs typeface="Segoe UI Light" panose="020B0502040204020203" pitchFamily="34" charset="0"/>
+            </a:endParaRPr>
           </a:p>
         </p:txBody>
       </p:sp>
@@ -45290,7 +45323,7 @@
         <p:spPr>
           <a:xfrm>
             <a:off x="839788" y="3401622"/>
-            <a:ext cx="2602141" cy="1938992"/>
+            <a:ext cx="2602141" cy="1569660"/>
           </a:xfrm>
           <a:prstGeom prst="rect">
             <a:avLst/>
@@ -45309,39 +45342,25 @@
               </a:lnSpc>
             </a:pPr>
             <a:r>
+              <a:rPr lang="en-US" sz="2000" dirty="0" smtClean="0">
+                <a:latin typeface="Segoe UI Light" panose="020B0502040204020203" pitchFamily="34" charset="0"/>
+                <a:cs typeface="Segoe UI Light" panose="020B0502040204020203" pitchFamily="34" charset="0"/>
+              </a:rPr>
+              <a:t>SOFTENS, SOFTENING </a:t>
+            </a:r>
+            <a:r>
               <a:rPr lang="en-US" sz="2000" dirty="0">
                 <a:latin typeface="Segoe UI Light" panose="020B0502040204020203" pitchFamily="34" charset="0"/>
                 <a:cs typeface="Segoe UI Light" panose="020B0502040204020203" pitchFamily="34" charset="0"/>
               </a:rPr>
-              <a:t>Discontinuities, '</a:t>
-            </a:r>
-            <a:r>
-              <a:rPr lang="en-US" sz="2000" dirty="0" err="1">
+              <a:t>&amp; </a:t>
+            </a:r>
+            <a:r>
+              <a:rPr lang="en-US" sz="2000" dirty="0" smtClean="0">
                 <a:latin typeface="Segoe UI Light" panose="020B0502040204020203" pitchFamily="34" charset="0"/>
                 <a:cs typeface="Segoe UI Light" panose="020B0502040204020203" pitchFamily="34" charset="0"/>
               </a:rPr>
-              <a:t>flatlining</a:t>
-            </a:r>
-            <a:r>
-              <a:rPr lang="en-US" sz="2000" dirty="0">
-                <a:latin typeface="Segoe UI Light" panose="020B0502040204020203" pitchFamily="34" charset="0"/>
-                <a:cs typeface="Segoe UI Light" panose="020B0502040204020203" pitchFamily="34" charset="0"/>
-              </a:rPr>
-              <a:t>‘, resurrection and </a:t>
-            </a:r>
-          </a:p>
-          <a:p>
-            <a:pPr>
-              <a:lnSpc>
-                <a:spcPct val="120000"/>
-              </a:lnSpc>
-            </a:pPr>
-            <a:r>
-              <a:rPr lang="en-US" sz="2000" dirty="0">
-                <a:latin typeface="Segoe UI Light" panose="020B0502040204020203" pitchFamily="34" charset="0"/>
-                <a:cs typeface="Segoe UI Light" panose="020B0502040204020203" pitchFamily="34" charset="0"/>
-              </a:rPr>
-              <a:t>the variability from record to record.</a:t>
+              <a:t>HARDENING, RESURRECTION, LIMIT-STATES</a:t>
             </a:r>
             <a:endParaRPr lang="fr-FR" sz="2000" dirty="0">
               <a:latin typeface="Segoe UI Light" panose="020B0502040204020203" pitchFamily="34" charset="0"/>
@@ -45359,7 +45378,7 @@
         <p:spPr>
           <a:xfrm>
             <a:off x="4794930" y="3401622"/>
-            <a:ext cx="2602141" cy="2274084"/>
+            <a:ext cx="2602141" cy="830997"/>
           </a:xfrm>
           <a:prstGeom prst="rect">
             <a:avLst/>
@@ -45378,11 +45397,33 @@
               </a:lnSpc>
             </a:pPr>
             <a:r>
+              <a:rPr lang="en-US" sz="2000" dirty="0" smtClean="0">
+                <a:latin typeface="Segoe UI Light" panose="020B0502040204020203" pitchFamily="34" charset="0"/>
+                <a:cs typeface="Segoe UI Light" panose="020B0502040204020203" pitchFamily="34" charset="0"/>
+              </a:rPr>
+              <a:t>STATISTICS </a:t>
+            </a:r>
+            <a:r>
+              <a:rPr lang="en-US" altLang="zh-TW" dirty="0" smtClean="0"/>
+              <a:t>METHOD</a:t>
+            </a:r>
+            <a:endParaRPr lang="en-US" sz="2000" dirty="0">
+              <a:latin typeface="Segoe UI Light" panose="020B0502040204020203" pitchFamily="34" charset="0"/>
+              <a:cs typeface="Segoe UI Light" panose="020B0502040204020203" pitchFamily="34" charset="0"/>
+            </a:endParaRPr>
+          </a:p>
+          <a:p>
+            <a:pPr>
+              <a:lnSpc>
+                <a:spcPct val="120000"/>
+              </a:lnSpc>
+            </a:pPr>
+            <a:r>
               <a:rPr lang="en-US" sz="2000" dirty="0">
                 <a:latin typeface="Segoe UI Light" panose="020B0502040204020203" pitchFamily="34" charset="0"/>
                 <a:cs typeface="Segoe UI Light" panose="020B0502040204020203" pitchFamily="34" charset="0"/>
               </a:rPr>
-              <a:t>Addressed the question of 'legitimacy' of scaling records and the relationships between IDAs and the SPO Analysis.</a:t>
+              <a:t>PBEE FRAMEWORK</a:t>
             </a:r>
             <a:endParaRPr lang="fr-FR" sz="2000" dirty="0">
               <a:latin typeface="Segoe UI Light" panose="020B0502040204020203" pitchFamily="34" charset="0"/>
@@ -45400,7 +45441,7 @@
         <p:spPr>
           <a:xfrm>
             <a:off x="8750072" y="3401622"/>
-            <a:ext cx="2602141" cy="1904752"/>
+            <a:ext cx="2602141" cy="1166088"/>
           </a:xfrm>
           <a:prstGeom prst="rect">
             <a:avLst/>
@@ -45419,11 +45460,39 @@
               </a:lnSpc>
             </a:pPr>
             <a:r>
-              <a:rPr lang="en-US" sz="2000" dirty="0">
+              <a:rPr lang="it-IT" sz="2000" dirty="0">
                 <a:latin typeface="Segoe UI Light" panose="020B0502040204020203" pitchFamily="34" charset="0"/>
                 <a:cs typeface="Segoe UI Light" panose="020B0502040204020203" pitchFamily="34" charset="0"/>
               </a:rPr>
-              <a:t>Algorithms presented here can reduce the number of non-linear runs per record to a handful</a:t>
+              <a:t>SCALING LEGITIMACY</a:t>
+            </a:r>
+          </a:p>
+          <a:p>
+            <a:pPr>
+              <a:lnSpc>
+                <a:spcPct val="120000"/>
+              </a:lnSpc>
+            </a:pPr>
+            <a:r>
+              <a:rPr lang="it-IT" sz="2000" dirty="0">
+                <a:latin typeface="Segoe UI Light" panose="020B0502040204020203" pitchFamily="34" charset="0"/>
+                <a:cs typeface="Segoe UI Light" panose="020B0502040204020203" pitchFamily="34" charset="0"/>
+              </a:rPr>
+              <a:t>NON-LINEAR SPO</a:t>
+            </a:r>
+          </a:p>
+          <a:p>
+            <a:pPr>
+              <a:lnSpc>
+                <a:spcPct val="120000"/>
+              </a:lnSpc>
+            </a:pPr>
+            <a:r>
+              <a:rPr lang="it-IT" sz="2000" dirty="0">
+                <a:latin typeface="Segoe UI Light" panose="020B0502040204020203" pitchFamily="34" charset="0"/>
+                <a:cs typeface="Segoe UI Light" panose="020B0502040204020203" pitchFamily="34" charset="0"/>
+              </a:rPr>
+              <a:t>IDA ALGORITHMS</a:t>
             </a:r>
             <a:endParaRPr lang="fr-FR" sz="2000" dirty="0">
               <a:latin typeface="Segoe UI Light" panose="020B0502040204020203" pitchFamily="34" charset="0"/>
@@ -45481,6 +45550,119 @@
       </p:par>
     </p:tnLst>
   </p:timing>
+</p:sld>
+</file>
+
+<file path=ppt/slides/slide41.xml><?xml version="1.0" encoding="utf-8"?>
+<p:sld xmlns:a="http://schemas.openxmlformats.org/drawingml/2006/main" xmlns:r="http://schemas.openxmlformats.org/officeDocument/2006/relationships" xmlns:p="http://schemas.openxmlformats.org/presentationml/2006/main">
+  <p:cSld>
+    <p:spTree>
+      <p:nvGrpSpPr>
+        <p:cNvPr id="1" name=""/>
+        <p:cNvGrpSpPr/>
+        <p:nvPr/>
+      </p:nvGrpSpPr>
+      <p:grpSpPr>
+        <a:xfrm>
+          <a:off x="0" y="0"/>
+          <a:ext cx="0" cy="0"/>
+          <a:chOff x="0" y="0"/>
+          <a:chExt cx="0" cy="0"/>
+        </a:xfrm>
+      </p:grpSpPr>
+      <p:sp>
+        <p:nvSpPr>
+          <p:cNvPr id="2" name="文字版面配置區 1"/>
+          <p:cNvSpPr>
+            <a:spLocks noGrp="1"/>
+          </p:cNvSpPr>
+          <p:nvPr>
+            <p:ph type="body" sz="quarter" idx="10"/>
+          </p:nvPr>
+        </p:nvSpPr>
+        <p:spPr/>
+        <p:txBody>
+          <a:bodyPr/>
+          <a:lstStyle/>
+          <a:p>
+            <a:r>
+              <a:rPr lang="en-US" altLang="zh-TW" dirty="0" smtClean="0"/>
+              <a:t>Q&amp;A</a:t>
+            </a:r>
+            <a:endParaRPr lang="zh-TW" altLang="en-US" dirty="0"/>
+          </a:p>
+        </p:txBody>
+      </p:sp>
+      <p:sp>
+        <p:nvSpPr>
+          <p:cNvPr id="3" name="投影片編號版面配置區 2"/>
+          <p:cNvSpPr>
+            <a:spLocks noGrp="1"/>
+          </p:cNvSpPr>
+          <p:nvPr>
+            <p:ph type="sldNum" sz="quarter" idx="4"/>
+          </p:nvPr>
+        </p:nvSpPr>
+        <p:spPr/>
+        <p:txBody>
+          <a:bodyPr/>
+          <a:lstStyle/>
+          <a:p>
+            <a:fld id="{6F0746BA-D1AA-4FF4-8D48-BDBC7FF48778}" type="slidenum">
+              <a:rPr lang="fr-FR" smtClean="0"/>
+              <a:t>41</a:t>
+            </a:fld>
+            <a:endParaRPr lang="fr-FR"/>
+          </a:p>
+        </p:txBody>
+      </p:sp>
+      <p:sp>
+        <p:nvSpPr>
+          <p:cNvPr id="5" name="矩形 4"/>
+          <p:cNvSpPr/>
+          <p:nvPr/>
+        </p:nvSpPr>
+        <p:spPr>
+          <a:xfrm>
+            <a:off x="3048000" y="3105835"/>
+            <a:ext cx="6096000" cy="1815882"/>
+          </a:xfrm>
+          <a:prstGeom prst="rect">
+            <a:avLst/>
+          </a:prstGeom>
+        </p:spPr>
+        <p:txBody>
+          <a:bodyPr>
+            <a:spAutoFit/>
+          </a:bodyPr>
+          <a:lstStyle/>
+          <a:p>
+            <a:r>
+              <a:rPr lang="en-US" altLang="zh-TW" sz="2800" dirty="0"/>
+              <a:t>thorough understanding </a:t>
+            </a:r>
+            <a:r>
+              <a:rPr lang="en-US" altLang="zh-TW" sz="2800" dirty="0" smtClean="0"/>
+              <a:t>of the </a:t>
+            </a:r>
+            <a:r>
+              <a:rPr lang="en-US" altLang="zh-TW" sz="2800" dirty="0"/>
+              <a:t>range of response or ‘demands’ versus the range of potential levels of a ground motion record</a:t>
+            </a:r>
+            <a:endParaRPr lang="zh-TW" altLang="en-US" sz="2800" dirty="0"/>
+          </a:p>
+        </p:txBody>
+      </p:sp>
+    </p:spTree>
+    <p:extLst>
+      <p:ext uri="{BB962C8B-B14F-4D97-AF65-F5344CB8AC3E}">
+        <p14:creationId xmlns:p14="http://schemas.microsoft.com/office/powerpoint/2010/main" val="1830900851"/>
+      </p:ext>
+    </p:extLst>
+  </p:cSld>
+  <p:clrMapOvr>
+    <a:masterClrMapping/>
+  </p:clrMapOvr>
 </p:sld>
 </file>
 
@@ -45658,13 +45840,13 @@
   <p:clrMapOvr>
     <a:masterClrMapping/>
   </p:clrMapOvr>
-  <mc:AlternateContent xmlns:mc="http://schemas.openxmlformats.org/markup-compatibility/2006">
-    <mc:Choice xmlns:p14="http://schemas.microsoft.com/office/powerpoint/2010/main" Requires="p14">
+  <mc:AlternateContent xmlns:mc="http://schemas.openxmlformats.org/markup-compatibility/2006" xmlns:p14="http://schemas.microsoft.com/office/powerpoint/2010/main">
+    <mc:Choice Requires="p14">
       <p:transition spd="med" p14:dur="700">
         <p:fade/>
       </p:transition>
     </mc:Choice>
-    <mc:Fallback>
+    <mc:Fallback xmlns="">
       <p:transition spd="med">
         <p:fade/>
       </p:transition>
@@ -45990,13 +46172,13 @@
   <p:clrMapOvr>
     <a:masterClrMapping/>
   </p:clrMapOvr>
-  <mc:AlternateContent xmlns:mc="http://schemas.openxmlformats.org/markup-compatibility/2006">
-    <mc:Choice xmlns:p14="http://schemas.microsoft.com/office/powerpoint/2010/main" Requires="p14">
+  <mc:AlternateContent xmlns:mc="http://schemas.openxmlformats.org/markup-compatibility/2006" xmlns:p14="http://schemas.microsoft.com/office/powerpoint/2010/main">
+    <mc:Choice Requires="p14">
       <p:transition spd="med" p14:dur="700">
         <p:fade/>
       </p:transition>
     </mc:Choice>
-    <mc:Fallback>
+    <mc:Fallback xmlns="">
       <p:transition spd="med">
         <p:fade/>
       </p:transition>
@@ -46555,13 +46737,13 @@
   <p:clrMapOvr>
     <a:masterClrMapping/>
   </p:clrMapOvr>
-  <mc:AlternateContent xmlns:mc="http://schemas.openxmlformats.org/markup-compatibility/2006">
-    <mc:Choice xmlns:p14="http://schemas.microsoft.com/office/powerpoint/2010/main" Requires="p14">
+  <mc:AlternateContent xmlns:mc="http://schemas.openxmlformats.org/markup-compatibility/2006" xmlns:p14="http://schemas.microsoft.com/office/powerpoint/2010/main">
+    <mc:Choice Requires="p14">
       <p:transition spd="med" p14:dur="700">
         <p:fade/>
       </p:transition>
     </mc:Choice>
-    <mc:Fallback>
+    <mc:Fallback xmlns="">
       <p:transition spd="med">
         <p:fade/>
       </p:transition>
@@ -47595,13 +47777,13 @@
   <p:clrMapOvr>
     <a:masterClrMapping/>
   </p:clrMapOvr>
-  <mc:AlternateContent xmlns:mc="http://schemas.openxmlformats.org/markup-compatibility/2006">
-    <mc:Choice xmlns:p14="http://schemas.microsoft.com/office/powerpoint/2010/main" Requires="p14">
+  <mc:AlternateContent xmlns:mc="http://schemas.openxmlformats.org/markup-compatibility/2006" xmlns:p14="http://schemas.microsoft.com/office/powerpoint/2010/main">
+    <mc:Choice Requires="p14">
       <p:transition spd="med" p14:dur="700">
         <p:fade/>
       </p:transition>
     </mc:Choice>
-    <mc:Fallback>
+    <mc:Fallback xmlns="">
       <p:transition spd="med">
         <p:fade/>
       </p:transition>
@@ -48284,13 +48466,13 @@
   <p:clrMapOvr>
     <a:masterClrMapping/>
   </p:clrMapOvr>
-  <mc:AlternateContent xmlns:mc="http://schemas.openxmlformats.org/markup-compatibility/2006">
-    <mc:Choice xmlns:p14="http://schemas.microsoft.com/office/powerpoint/2010/main" Requires="p14">
+  <mc:AlternateContent xmlns:mc="http://schemas.openxmlformats.org/markup-compatibility/2006" xmlns:p14="http://schemas.microsoft.com/office/powerpoint/2010/main">
+    <mc:Choice Requires="p14">
       <p:transition spd="med" p14:dur="700">
         <p:fade/>
       </p:transition>
     </mc:Choice>
-    <mc:Fallback>
+    <mc:Fallback xmlns="">
       <p:transition spd="med">
         <p:fade/>
       </p:transition>
@@ -48852,6 +49034,21 @@
 </file>
 
 <file path=customXml/item1.xml><?xml version="1.0" encoding="utf-8"?>
+<?mso-contentType ?>
+<FormTemplates xmlns="http://schemas.microsoft.com/sharepoint/v3/contenttype/forms">
+  <Display>DocumentLibraryForm</Display>
+  <Edit>DocumentLibraryForm</Edit>
+  <New>DocumentLibraryForm</New>
+</FormTemplates>
+</file>
+
+<file path=customXml/item2.xml><?xml version="1.0" encoding="utf-8"?>
+<p:properties xmlns:p="http://schemas.microsoft.com/office/2006/metadata/properties" xmlns:xsi="http://www.w3.org/2001/XMLSchema-instance" xmlns:pc="http://schemas.microsoft.com/office/infopath/2007/PartnerControls">
+  <documentManagement/>
+</p:properties>
+</file>
+
+<file path=customXml/item3.xml><?xml version="1.0" encoding="utf-8"?>
 <ct:contentTypeSchema xmlns:ct="http://schemas.microsoft.com/office/2006/metadata/contentType" xmlns:ma="http://schemas.microsoft.com/office/2006/metadata/properties/metaAttributes" ct:_="" ma:_="" ma:contentTypeName="Document" ma:contentTypeID="0x01010005FA520563873D4EB8CBD5344A351BEB" ma:contentTypeVersion="0" ma:contentTypeDescription="Crée un document." ma:contentTypeScope="" ma:versionID="005ce72954985de94fc750614f2007cc">
   <xsd:schema xmlns:xsd="http://www.w3.org/2001/XMLSchema" xmlns:xs="http://www.w3.org/2001/XMLSchema" xmlns:p="http://schemas.microsoft.com/office/2006/metadata/properties" targetNamespace="http://schemas.microsoft.com/office/2006/metadata/properties" ma:root="true" ma:fieldsID="36883d0f3030e52908f9a4448a35c02a">
     <xsd:element name="properties">
@@ -48965,22 +49162,30 @@
 </ct:contentTypeSchema>
 </file>
 
-<file path=customXml/item2.xml><?xml version="1.0" encoding="utf-8"?>
-<?mso-contentType ?>
-<FormTemplates xmlns="http://schemas.microsoft.com/sharepoint/v3/contenttype/forms">
-  <Display>DocumentLibraryForm</Display>
-  <Edit>DocumentLibraryForm</Edit>
-  <New>DocumentLibraryForm</New>
-</FormTemplates>
+<file path=customXml/itemProps1.xml><?xml version="1.0" encoding="utf-8"?>
+<ds:datastoreItem xmlns:ds="http://schemas.openxmlformats.org/officeDocument/2006/customXml" ds:itemID="{95457E87-E546-449E-A4D1-371201992E58}">
+  <ds:schemaRefs>
+    <ds:schemaRef ds:uri="http://schemas.microsoft.com/sharepoint/v3/contenttype/forms"/>
+  </ds:schemaRefs>
+</ds:datastoreItem>
 </file>
 
-<file path=customXml/item3.xml><?xml version="1.0" encoding="utf-8"?>
-<p:properties xmlns:p="http://schemas.microsoft.com/office/2006/metadata/properties" xmlns:xsi="http://www.w3.org/2001/XMLSchema-instance" xmlns:pc="http://schemas.microsoft.com/office/infopath/2007/PartnerControls">
-  <documentManagement/>
-</p:properties>
+<file path=customXml/itemProps2.xml><?xml version="1.0" encoding="utf-8"?>
+<ds:datastoreItem xmlns:ds="http://schemas.openxmlformats.org/officeDocument/2006/customXml" ds:itemID="{88BF5EC3-CBCF-41C7-846F-A9B4B81CCEA8}">
+  <ds:schemaRefs>
+    <ds:schemaRef ds:uri="http://purl.org/dc/terms/"/>
+    <ds:schemaRef ds:uri="http://schemas.microsoft.com/office/2006/metadata/properties"/>
+    <ds:schemaRef ds:uri="http://schemas.microsoft.com/office/infopath/2007/PartnerControls"/>
+    <ds:schemaRef ds:uri="http://purl.org/dc/elements/1.1/"/>
+    <ds:schemaRef ds:uri="http://www.w3.org/XML/1998/namespace"/>
+    <ds:schemaRef ds:uri="http://schemas.microsoft.com/office/2006/documentManagement/types"/>
+    <ds:schemaRef ds:uri="http://schemas.openxmlformats.org/package/2006/metadata/core-properties"/>
+    <ds:schemaRef ds:uri="http://purl.org/dc/dcmitype/"/>
+  </ds:schemaRefs>
+</ds:datastoreItem>
 </file>
 
-<file path=customXml/itemProps1.xml><?xml version="1.0" encoding="utf-8"?>
+<file path=customXml/itemProps3.xml><?xml version="1.0" encoding="utf-8"?>
 <ds:datastoreItem xmlns:ds="http://schemas.openxmlformats.org/officeDocument/2006/customXml" ds:itemID="{FF14EDAB-351E-4851-B148-260C81C296AA}">
   <ds:schemaRefs>
     <ds:schemaRef ds:uri="http://schemas.microsoft.com/office/2006/metadata/contentType"/>
@@ -48994,27 +49199,4 @@
     <ds:schemaRef ds:uri="http://schemas.microsoft.com/office/infopath/2007/PartnerControls"/>
   </ds:schemaRefs>
 </ds:datastoreItem>
-</file>
-
-<file path=customXml/itemProps2.xml><?xml version="1.0" encoding="utf-8"?>
-<ds:datastoreItem xmlns:ds="http://schemas.openxmlformats.org/officeDocument/2006/customXml" ds:itemID="{95457E87-E546-449E-A4D1-371201992E58}">
-  <ds:schemaRefs>
-    <ds:schemaRef ds:uri="http://schemas.microsoft.com/sharepoint/v3/contenttype/forms"/>
-  </ds:schemaRefs>
-</ds:datastoreItem>
-</file>
-
-<file path=customXml/itemProps3.xml><?xml version="1.0" encoding="utf-8"?>
-<ds:datastoreItem xmlns:ds="http://schemas.openxmlformats.org/officeDocument/2006/customXml" ds:itemID="{88BF5EC3-CBCF-41C7-846F-A9B4B81CCEA8}">
-  <ds:schemaRefs>
-    <ds:schemaRef ds:uri="http://purl.org/dc/terms/"/>
-    <ds:schemaRef ds:uri="http://schemas.microsoft.com/office/2006/metadata/properties"/>
-    <ds:schemaRef ds:uri="http://schemas.microsoft.com/office/infopath/2007/PartnerControls"/>
-    <ds:schemaRef ds:uri="http://purl.org/dc/elements/1.1/"/>
-    <ds:schemaRef ds:uri="http://www.w3.org/XML/1998/namespace"/>
-    <ds:schemaRef ds:uri="http://schemas.microsoft.com/office/2006/documentManagement/types"/>
-    <ds:schemaRef ds:uri="http://schemas.openxmlformats.org/package/2006/metadata/core-properties"/>
-    <ds:schemaRef ds:uri="http://purl.org/dc/dcmitype/"/>
-  </ds:schemaRefs>
-</ds:datastoreItem>
 </file>
--- a/20180126_SmartSplice/20180901_Meeting/Incremental dynamic analysis.pptx
+++ b/20180126_SmartSplice/20180901_Meeting/Incremental dynamic analysis.pptx
@@ -270,7 +270,7 @@
           <a:p>
             <a:fld id="{E17FB05D-A85A-41E9-95F8-557FC4A8E4EF}" type="datetimeFigureOut">
               <a:rPr lang="zh-TW" altLang="en-US" smtClean="0"/>
-              <a:t>2018/9/6</a:t>
+              <a:t>2018/9/22</a:t>
             </a:fld>
             <a:endParaRPr lang="zh-TW" altLang="en-US"/>
           </a:p>
@@ -3616,7 +3616,7 @@
           <a:p>
             <a:fld id="{7A7E7069-7A31-444D-80E6-B61C02E1392B}" type="datetime1">
               <a:rPr lang="fr-FR" altLang="zh-TW" smtClean="0"/>
-              <a:t>06/09/2018</a:t>
+              <a:t>22/09/2018</a:t>
             </a:fld>
             <a:endParaRPr lang="fr-FR"/>
           </a:p>
@@ -3962,7 +3962,7 @@
           <a:p>
             <a:fld id="{AB24F10B-ECA2-4753-8694-8A0132243A1A}" type="datetime1">
               <a:rPr lang="fr-FR" altLang="zh-TW" smtClean="0"/>
-              <a:t>06/09/2018</a:t>
+              <a:t>22/09/2018</a:t>
             </a:fld>
             <a:endParaRPr lang="fr-FR"/>
           </a:p>
@@ -4479,7 +4479,7 @@
           <a:p>
             <a:fld id="{DF3763D6-108C-484F-A72E-357B7AC47626}" type="datetime1">
               <a:rPr lang="fr-FR" altLang="zh-TW" smtClean="0"/>
-              <a:t>06/09/2018</a:t>
+              <a:t>22/09/2018</a:t>
             </a:fld>
             <a:endParaRPr lang="fr-FR"/>
           </a:p>
@@ -4735,7 +4735,7 @@
           <a:p>
             <a:fld id="{70A2E91A-1B1C-4AA6-BE7D-BFAB22416A0A}" type="datetime1">
               <a:rPr lang="fr-FR" altLang="zh-TW" smtClean="0"/>
-              <a:t>06/09/2018</a:t>
+              <a:t>22/09/2018</a:t>
             </a:fld>
             <a:endParaRPr lang="fr-FR"/>
           </a:p>
@@ -5040,7 +5040,7 @@
           <a:p>
             <a:fld id="{CB63E6B3-FD71-4468-88B9-C0735253CCAA}" type="datetime1">
               <a:rPr lang="fr-FR" altLang="zh-TW" smtClean="0"/>
-              <a:t>06/09/2018</a:t>
+              <a:t>22/09/2018</a:t>
             </a:fld>
             <a:endParaRPr lang="fr-FR"/>
           </a:p>
@@ -5290,7 +5290,7 @@
           <a:p>
             <a:fld id="{E7037967-40FB-4E34-8FF3-6969956CCBF8}" type="datetime1">
               <a:rPr lang="fr-FR" altLang="zh-TW" smtClean="0"/>
-              <a:t>06/09/2018</a:t>
+              <a:t>22/09/2018</a:t>
             </a:fld>
             <a:endParaRPr lang="fr-FR"/>
           </a:p>
@@ -5996,7 +5996,7 @@
           <a:p>
             <a:fld id="{D3ACC2AA-C9BE-4B6D-A61B-7594931CB630}" type="datetime1">
               <a:rPr lang="fr-FR" altLang="zh-TW" smtClean="0"/>
-              <a:t>06/09/2018</a:t>
+              <a:t>22/09/2018</a:t>
             </a:fld>
             <a:endParaRPr lang="fr-FR"/>
           </a:p>
@@ -6341,7 +6341,7 @@
           <a:p>
             <a:fld id="{1D45520A-363C-425F-A28D-4D02521E9EC2}" type="datetime1">
               <a:rPr lang="fr-FR" altLang="zh-TW" smtClean="0"/>
-              <a:t>06/09/2018</a:t>
+              <a:t>22/09/2018</a:t>
             </a:fld>
             <a:endParaRPr lang="fr-FR"/>
           </a:p>
@@ -6629,7 +6629,7 @@
           <a:p>
             <a:fld id="{172E36E1-A9EF-44B8-BDC2-AD38F076111B}" type="datetime1">
               <a:rPr lang="fr-FR" altLang="zh-TW" smtClean="0"/>
-              <a:t>06/09/2018</a:t>
+              <a:t>22/09/2018</a:t>
             </a:fld>
             <a:endParaRPr lang="fr-FR"/>
           </a:p>
@@ -6804,7 +6804,7 @@
           <a:p>
             <a:fld id="{E6060845-F4F6-4A6C-87EC-25D40DD76F66}" type="datetime1">
               <a:rPr lang="fr-FR" altLang="zh-TW" smtClean="0"/>
-              <a:t>06/09/2018</a:t>
+              <a:t>22/09/2018</a:t>
             </a:fld>
             <a:endParaRPr lang="fr-FR"/>
           </a:p>
@@ -13189,7 +13189,7 @@
           <a:p>
             <a:fld id="{A0B758D6-ED01-4AE2-915C-7364812A8626}" type="datetime1">
               <a:rPr lang="fr-FR" altLang="zh-TW" smtClean="0"/>
-              <a:t>06/09/2018</a:t>
+              <a:t>22/09/2018</a:t>
             </a:fld>
             <a:endParaRPr lang="fr-FR"/>
           </a:p>
@@ -18428,7 +18428,7 @@
           <a:p>
             <a:fld id="{3878EA16-B830-4EFF-8CB0-DE8E57720CDD}" type="datetime1">
               <a:rPr lang="fr-FR" altLang="zh-TW" smtClean="0"/>
-              <a:t>06/09/2018</a:t>
+              <a:t>22/09/2018</a:t>
             </a:fld>
             <a:endParaRPr lang="fr-FR"/>
           </a:p>
@@ -19150,7 +19150,7 @@
           <a:p>
             <a:fld id="{2579C44F-DB87-47B9-975C-3AD181DD0144}" type="datetime1">
               <a:rPr lang="fr-FR" altLang="zh-TW" smtClean="0"/>
-              <a:t>06/09/2018</a:t>
+              <a:t>22/09/2018</a:t>
             </a:fld>
             <a:endParaRPr lang="fr-FR"/>
           </a:p>
@@ -21058,7 +21058,7 @@
           <a:p>
             <a:fld id="{17C8F73A-9A53-44D5-87A0-EF89FB35B76E}" type="datetime1">
               <a:rPr lang="fr-FR" altLang="zh-TW" smtClean="0"/>
-              <a:t>06/09/2018</a:t>
+              <a:t>22/09/2018</a:t>
             </a:fld>
             <a:endParaRPr lang="fr-FR"/>
           </a:p>
@@ -21712,7 +21712,7 @@
           <a:p>
             <a:fld id="{01D877FE-3F74-424B-86C7-10EA22D7ED24}" type="datetime1">
               <a:rPr lang="fr-FR" altLang="zh-TW" smtClean="0"/>
-              <a:t>06/09/2018</a:t>
+              <a:t>22/09/2018</a:t>
             </a:fld>
             <a:endParaRPr lang="fr-FR"/>
           </a:p>
@@ -22366,7 +22366,7 @@
           <a:p>
             <a:fld id="{B9087178-D13A-4930-A1A8-4200F7450DEF}" type="datetime1">
               <a:rPr lang="fr-FR" altLang="zh-TW" smtClean="0"/>
-              <a:t>06/09/2018</a:t>
+              <a:t>22/09/2018</a:t>
             </a:fld>
             <a:endParaRPr lang="fr-FR"/>
           </a:p>
@@ -24089,7 +24089,7 @@
           <a:p>
             <a:fld id="{0003247B-B3F7-41BB-A95F-B6B56C48E17E}" type="datetime1">
               <a:rPr lang="fr-FR" altLang="zh-TW" smtClean="0"/>
-              <a:t>06/09/2018</a:t>
+              <a:t>22/09/2018</a:t>
             </a:fld>
             <a:endParaRPr lang="fr-FR"/>
           </a:p>
@@ -24321,7 +24321,7 @@
           <a:p>
             <a:fld id="{7036140C-C5FE-4C35-B4E1-C65C06066FA9}" type="datetime1">
               <a:rPr lang="fr-FR" altLang="zh-TW" smtClean="0"/>
-              <a:t>06/09/2018</a:t>
+              <a:t>22/09/2018</a:t>
             </a:fld>
             <a:endParaRPr lang="fr-FR"/>
           </a:p>
@@ -24487,7 +24487,7 @@
           <a:p>
             <a:fld id="{887BFBD1-3D9B-4272-AD61-7503861467DB}" type="datetime1">
               <a:rPr lang="fr-FR" altLang="zh-TW" smtClean="0"/>
-              <a:t>06/09/2018</a:t>
+              <a:t>22/09/2018</a:t>
             </a:fld>
             <a:endParaRPr lang="fr-FR"/>
           </a:p>
@@ -45183,13 +45183,6 @@
               </a:rPr>
               <a:t>SINGLE IDA</a:t>
             </a:r>
-            <a:endParaRPr lang="fr-FR" sz="2800" dirty="0">
-              <a:solidFill>
-                <a:schemeClr val="accent1"/>
-              </a:solidFill>
-              <a:latin typeface="Segoe UI Light" panose="020B0502040204020203" pitchFamily="34" charset="0"/>
-              <a:cs typeface="Segoe UI Light" panose="020B0502040204020203" pitchFamily="34" charset="0"/>
-            </a:endParaRPr>
           </a:p>
         </p:txBody>
       </p:sp>
@@ -45262,13 +45255,6 @@
               </a:rPr>
               <a:t>MULTI-IDA</a:t>
             </a:r>
-            <a:endParaRPr lang="fr-FR" sz="2800" dirty="0">
-              <a:solidFill>
-                <a:schemeClr val="accent1"/>
-              </a:solidFill>
-              <a:latin typeface="Segoe UI Light" panose="020B0502040204020203" pitchFamily="34" charset="0"/>
-              <a:cs typeface="Segoe UI Light" panose="020B0502040204020203" pitchFamily="34" charset="0"/>
-            </a:endParaRPr>
           </a:p>
         </p:txBody>
       </p:sp>
@@ -49034,21 +49020,6 @@
 </file>
 
 <file path=customXml/item1.xml><?xml version="1.0" encoding="utf-8"?>
-<?mso-contentType ?>
-<FormTemplates xmlns="http://schemas.microsoft.com/sharepoint/v3/contenttype/forms">
-  <Display>DocumentLibraryForm</Display>
-  <Edit>DocumentLibraryForm</Edit>
-  <New>DocumentLibraryForm</New>
-</FormTemplates>
-</file>
-
-<file path=customXml/item2.xml><?xml version="1.0" encoding="utf-8"?>
-<p:properties xmlns:p="http://schemas.microsoft.com/office/2006/metadata/properties" xmlns:xsi="http://www.w3.org/2001/XMLSchema-instance" xmlns:pc="http://schemas.microsoft.com/office/infopath/2007/PartnerControls">
-  <documentManagement/>
-</p:properties>
-</file>
-
-<file path=customXml/item3.xml><?xml version="1.0" encoding="utf-8"?>
 <ct:contentTypeSchema xmlns:ct="http://schemas.microsoft.com/office/2006/metadata/contentType" xmlns:ma="http://schemas.microsoft.com/office/2006/metadata/properties/metaAttributes" ct:_="" ma:_="" ma:contentTypeName="Document" ma:contentTypeID="0x01010005FA520563873D4EB8CBD5344A351BEB" ma:contentTypeVersion="0" ma:contentTypeDescription="Crée un document." ma:contentTypeScope="" ma:versionID="005ce72954985de94fc750614f2007cc">
   <xsd:schema xmlns:xsd="http://www.w3.org/2001/XMLSchema" xmlns:xs="http://www.w3.org/2001/XMLSchema" xmlns:p="http://schemas.microsoft.com/office/2006/metadata/properties" targetNamespace="http://schemas.microsoft.com/office/2006/metadata/properties" ma:root="true" ma:fieldsID="36883d0f3030e52908f9a4448a35c02a">
     <xsd:element name="properties">
@@ -49162,30 +49133,22 @@
 </ct:contentTypeSchema>
 </file>
 
-<file path=customXml/itemProps1.xml><?xml version="1.0" encoding="utf-8"?>
-<ds:datastoreItem xmlns:ds="http://schemas.openxmlformats.org/officeDocument/2006/customXml" ds:itemID="{95457E87-E546-449E-A4D1-371201992E58}">
-  <ds:schemaRefs>
-    <ds:schemaRef ds:uri="http://schemas.microsoft.com/sharepoint/v3/contenttype/forms"/>
-  </ds:schemaRefs>
-</ds:datastoreItem>
+<file path=customXml/item2.xml><?xml version="1.0" encoding="utf-8"?>
+<?mso-contentType ?>
+<FormTemplates xmlns="http://schemas.microsoft.com/sharepoint/v3/contenttype/forms">
+  <Display>DocumentLibraryForm</Display>
+  <Edit>DocumentLibraryForm</Edit>
+  <New>DocumentLibraryForm</New>
+</FormTemplates>
 </file>
 
-<file path=customXml/itemProps2.xml><?xml version="1.0" encoding="utf-8"?>
-<ds:datastoreItem xmlns:ds="http://schemas.openxmlformats.org/officeDocument/2006/customXml" ds:itemID="{88BF5EC3-CBCF-41C7-846F-A9B4B81CCEA8}">
-  <ds:schemaRefs>
-    <ds:schemaRef ds:uri="http://purl.org/dc/terms/"/>
-    <ds:schemaRef ds:uri="http://schemas.microsoft.com/office/2006/metadata/properties"/>
-    <ds:schemaRef ds:uri="http://schemas.microsoft.com/office/infopath/2007/PartnerControls"/>
-    <ds:schemaRef ds:uri="http://purl.org/dc/elements/1.1/"/>
-    <ds:schemaRef ds:uri="http://www.w3.org/XML/1998/namespace"/>
-    <ds:schemaRef ds:uri="http://schemas.microsoft.com/office/2006/documentManagement/types"/>
-    <ds:schemaRef ds:uri="http://schemas.openxmlformats.org/package/2006/metadata/core-properties"/>
-    <ds:schemaRef ds:uri="http://purl.org/dc/dcmitype/"/>
-  </ds:schemaRefs>
-</ds:datastoreItem>
+<file path=customXml/item3.xml><?xml version="1.0" encoding="utf-8"?>
+<p:properties xmlns:p="http://schemas.microsoft.com/office/2006/metadata/properties" xmlns:xsi="http://www.w3.org/2001/XMLSchema-instance" xmlns:pc="http://schemas.microsoft.com/office/infopath/2007/PartnerControls">
+  <documentManagement/>
+</p:properties>
 </file>
 
-<file path=customXml/itemProps3.xml><?xml version="1.0" encoding="utf-8"?>
+<file path=customXml/itemProps1.xml><?xml version="1.0" encoding="utf-8"?>
 <ds:datastoreItem xmlns:ds="http://schemas.openxmlformats.org/officeDocument/2006/customXml" ds:itemID="{FF14EDAB-351E-4851-B148-260C81C296AA}">
   <ds:schemaRefs>
     <ds:schemaRef ds:uri="http://schemas.microsoft.com/office/2006/metadata/contentType"/>
@@ -49199,4 +49162,27 @@
     <ds:schemaRef ds:uri="http://schemas.microsoft.com/office/infopath/2007/PartnerControls"/>
   </ds:schemaRefs>
 </ds:datastoreItem>
+</file>
+
+<file path=customXml/itemProps2.xml><?xml version="1.0" encoding="utf-8"?>
+<ds:datastoreItem xmlns:ds="http://schemas.openxmlformats.org/officeDocument/2006/customXml" ds:itemID="{95457E87-E546-449E-A4D1-371201992E58}">
+  <ds:schemaRefs>
+    <ds:schemaRef ds:uri="http://schemas.microsoft.com/sharepoint/v3/contenttype/forms"/>
+  </ds:schemaRefs>
+</ds:datastoreItem>
+</file>
+
+<file path=customXml/itemProps3.xml><?xml version="1.0" encoding="utf-8"?>
+<ds:datastoreItem xmlns:ds="http://schemas.openxmlformats.org/officeDocument/2006/customXml" ds:itemID="{88BF5EC3-CBCF-41C7-846F-A9B4B81CCEA8}">
+  <ds:schemaRefs>
+    <ds:schemaRef ds:uri="http://purl.org/dc/terms/"/>
+    <ds:schemaRef ds:uri="http://schemas.microsoft.com/office/2006/metadata/properties"/>
+    <ds:schemaRef ds:uri="http://schemas.microsoft.com/office/infopath/2007/PartnerControls"/>
+    <ds:schemaRef ds:uri="http://purl.org/dc/elements/1.1/"/>
+    <ds:schemaRef ds:uri="http://www.w3.org/XML/1998/namespace"/>
+    <ds:schemaRef ds:uri="http://schemas.microsoft.com/office/2006/documentManagement/types"/>
+    <ds:schemaRef ds:uri="http://schemas.openxmlformats.org/package/2006/metadata/core-properties"/>
+    <ds:schemaRef ds:uri="http://purl.org/dc/dcmitype/"/>
+  </ds:schemaRefs>
+</ds:datastoreItem>
 </file>